--- a/Program structure.pptx
+++ b/Program structure.pptx
@@ -16,6 +16,7 @@
     <p:sldId id="266" r:id="rId10"/>
     <p:sldId id="267" r:id="rId11"/>
     <p:sldId id="268" r:id="rId12"/>
+    <p:sldId id="269" r:id="rId13"/>
   </p:sldIdLst>
   <p:sldSz cx="12192000" cy="6858000"/>
   <p:notesSz cx="6858000" cy="9144000"/>
@@ -3388,13 +3389,19 @@
               <a:rPr lang="fr-FR" sz="1400" dirty="0" err="1" smtClean="0">
                 <a:latin typeface="+mj-lt"/>
               </a:rPr>
-              <a:t>res</a:t>
+              <a:t>new_data</a:t>
             </a:r>
             <a:r>
               <a:rPr lang="fr-FR" sz="1400" dirty="0" smtClean="0">
                 <a:latin typeface="+mj-lt"/>
               </a:rPr>
-              <a:t>] = </a:t>
+              <a:t>] </a:t>
+            </a:r>
+            <a:r>
+              <a:rPr lang="fr-FR" sz="1400" dirty="0" smtClean="0">
+                <a:latin typeface="+mj-lt"/>
+              </a:rPr>
+              <a:t>= </a:t>
             </a:r>
             <a:r>
               <a:rPr lang="fr-FR" sz="1400" dirty="0" err="1" smtClean="0">
@@ -4183,13 +4190,19 @@
               <a:rPr lang="fr-FR" sz="1400" dirty="0" err="1" smtClean="0">
                 <a:latin typeface="+mj-lt"/>
               </a:rPr>
-              <a:t>res</a:t>
+              <a:t>new_data</a:t>
             </a:r>
             <a:r>
               <a:rPr lang="fr-FR" sz="1400" dirty="0" smtClean="0">
                 <a:latin typeface="+mj-lt"/>
               </a:rPr>
-              <a:t>] = </a:t>
+              <a:t>] </a:t>
+            </a:r>
+            <a:r>
+              <a:rPr lang="fr-FR" sz="1400" dirty="0" smtClean="0">
+                <a:latin typeface="+mj-lt"/>
+              </a:rPr>
+              <a:t>= </a:t>
             </a:r>
             <a:r>
               <a:rPr lang="fr-FR" sz="1400" dirty="0" err="1" smtClean="0">
@@ -5326,9 +5339,6 @@
               </a:rPr>
               <a:t>() [Abstract]</a:t>
             </a:r>
-            <a:endParaRPr lang="fr-FR" sz="1100" dirty="0" smtClean="0">
-              <a:latin typeface="+mj-lt"/>
-            </a:endParaRPr>
           </a:p>
           <a:p>
             <a:r>
@@ -5447,6 +5457,1220 @@
     <p:extLst>
       <p:ext uri="{BB962C8B-B14F-4D97-AF65-F5344CB8AC3E}">
         <p14:creationId xmlns:p14="http://schemas.microsoft.com/office/powerpoint/2010/main" val="3779674784"/>
+      </p:ext>
+    </p:extLst>
+  </p:cSld>
+  <p:clrMapOvr>
+    <a:masterClrMapping/>
+  </p:clrMapOvr>
+</p:sld>
+</file>
+
+<file path=ppt/slides/slide12.xml><?xml version="1.0" encoding="utf-8"?>
+<p:sld xmlns:a="http://schemas.openxmlformats.org/drawingml/2006/main" xmlns:r="http://schemas.openxmlformats.org/officeDocument/2006/relationships" xmlns:p="http://schemas.openxmlformats.org/presentationml/2006/main">
+  <p:cSld>
+    <p:spTree>
+      <p:nvGrpSpPr>
+        <p:cNvPr id="1" name=""/>
+        <p:cNvGrpSpPr/>
+        <p:nvPr/>
+      </p:nvGrpSpPr>
+      <p:grpSpPr>
+        <a:xfrm>
+          <a:off x="0" y="0"/>
+          <a:ext cx="0" cy="0"/>
+          <a:chOff x="0" y="0"/>
+          <a:chExt cx="0" cy="0"/>
+        </a:xfrm>
+      </p:grpSpPr>
+      <p:sp>
+        <p:nvSpPr>
+          <p:cNvPr id="2" name="ZoneTexte 1"/>
+          <p:cNvSpPr txBox="1"/>
+          <p:nvPr/>
+        </p:nvSpPr>
+        <p:spPr>
+          <a:xfrm>
+            <a:off x="250275" y="254658"/>
+            <a:ext cx="2982897" cy="369332"/>
+          </a:xfrm>
+          <a:prstGeom prst="rect">
+            <a:avLst/>
+          </a:prstGeom>
+          <a:noFill/>
+        </p:spPr>
+        <p:txBody>
+          <a:bodyPr wrap="square" rtlCol="0">
+            <a:spAutoFit/>
+          </a:bodyPr>
+          <a:lstStyle/>
+          <a:p>
+            <a:r>
+              <a:rPr lang="fr-FR" dirty="0" smtClean="0"/>
+              <a:t>DataUnit2DataUnit</a:t>
+            </a:r>
+          </a:p>
+        </p:txBody>
+      </p:sp>
+      <p:sp>
+        <p:nvSpPr>
+          <p:cNvPr id="3" name="ZoneTexte 2"/>
+          <p:cNvSpPr txBox="1"/>
+          <p:nvPr/>
+        </p:nvSpPr>
+        <p:spPr>
+          <a:xfrm>
+            <a:off x="250275" y="705484"/>
+            <a:ext cx="2201665" cy="338554"/>
+          </a:xfrm>
+          <a:prstGeom prst="rect">
+            <a:avLst/>
+          </a:prstGeom>
+          <a:noFill/>
+        </p:spPr>
+        <p:txBody>
+          <a:bodyPr wrap="square" rtlCol="0">
+            <a:spAutoFit/>
+          </a:bodyPr>
+          <a:lstStyle/>
+          <a:p>
+            <a:r>
+              <a:rPr lang="fr-FR" sz="1600" b="1" dirty="0" err="1">
+                <a:latin typeface="+mj-lt"/>
+              </a:rPr>
+              <a:t>m</a:t>
+            </a:r>
+            <a:r>
+              <a:rPr lang="fr-FR" sz="1600" b="1" dirty="0" err="1" smtClean="0">
+                <a:latin typeface="+mj-lt"/>
+              </a:rPr>
+              <a:t>ethods</a:t>
+            </a:r>
+            <a:r>
+              <a:rPr lang="fr-FR" sz="1600" dirty="0" smtClean="0"/>
+              <a:t>:</a:t>
+            </a:r>
+            <a:endParaRPr lang="fr-FR" sz="1600" dirty="0"/>
+          </a:p>
+        </p:txBody>
+      </p:sp>
+      <p:sp>
+        <p:nvSpPr>
+          <p:cNvPr id="4" name="ZoneTexte 3"/>
+          <p:cNvSpPr txBox="1"/>
+          <p:nvPr/>
+        </p:nvSpPr>
+        <p:spPr>
+          <a:xfrm>
+            <a:off x="341999" y="1104653"/>
+            <a:ext cx="4442437" cy="307777"/>
+          </a:xfrm>
+          <a:prstGeom prst="rect">
+            <a:avLst/>
+          </a:prstGeom>
+          <a:noFill/>
+        </p:spPr>
+        <p:txBody>
+          <a:bodyPr wrap="square" rtlCol="0">
+            <a:spAutoFit/>
+          </a:bodyPr>
+          <a:lstStyle/>
+          <a:p>
+            <a:pPr algn="ctr"/>
+            <a:r>
+              <a:rPr lang="fr-FR" sz="1400" dirty="0" err="1" smtClean="0">
+                <a:latin typeface="+mj-lt"/>
+              </a:rPr>
+              <a:t>childObj</a:t>
+            </a:r>
+            <a:r>
+              <a:rPr lang="fr-FR" sz="1400" dirty="0" smtClean="0">
+                <a:latin typeface="+mj-lt"/>
+              </a:rPr>
+              <a:t> </a:t>
+            </a:r>
+            <a:r>
+              <a:rPr lang="fr-FR" sz="1400" dirty="0" smtClean="0">
+                <a:latin typeface="+mj-lt"/>
+              </a:rPr>
+              <a:t>= </a:t>
+            </a:r>
+            <a:r>
+              <a:rPr lang="fr-FR" sz="1400" dirty="0" err="1" smtClean="0">
+                <a:latin typeface="+mj-lt"/>
+              </a:rPr>
+              <a:t>make</a:t>
+            </a:r>
+            <a:r>
+              <a:rPr lang="fr-FR" sz="1400" dirty="0" err="1" smtClean="0">
+                <a:latin typeface="+mj-lt"/>
+              </a:rPr>
+              <a:t>ProcessData</a:t>
+            </a:r>
+            <a:r>
+              <a:rPr lang="fr-FR" sz="1400" dirty="0" smtClean="0">
+                <a:latin typeface="+mj-lt"/>
+              </a:rPr>
+              <a:t>(</a:t>
+            </a:r>
+            <a:r>
+              <a:rPr lang="fr-FR" sz="1400" dirty="0" err="1" smtClean="0">
+                <a:latin typeface="+mj-lt"/>
+              </a:rPr>
+              <a:t>this</a:t>
+            </a:r>
+            <a:r>
+              <a:rPr lang="fr-FR" sz="1400" dirty="0" smtClean="0">
+                <a:latin typeface="+mj-lt"/>
+              </a:rPr>
+              <a:t>, </a:t>
+            </a:r>
+            <a:r>
+              <a:rPr lang="fr-FR" sz="1400" dirty="0" err="1" smtClean="0">
+                <a:latin typeface="+mj-lt"/>
+              </a:rPr>
+              <a:t>new_data</a:t>
+            </a:r>
+            <a:r>
+              <a:rPr lang="fr-FR" sz="1400" dirty="0" smtClean="0">
+                <a:latin typeface="+mj-lt"/>
+              </a:rPr>
+              <a:t>, </a:t>
+            </a:r>
+            <a:r>
+              <a:rPr lang="fr-FR" sz="1400" dirty="0" err="1" smtClean="0">
+                <a:latin typeface="+mj-lt"/>
+              </a:rPr>
+              <a:t>parentObj</a:t>
+            </a:r>
+            <a:r>
+              <a:rPr lang="fr-FR" sz="1400" dirty="0" smtClean="0">
+                <a:latin typeface="+mj-lt"/>
+              </a:rPr>
+              <a:t>)</a:t>
+            </a:r>
+            <a:endParaRPr lang="fr-FR" sz="1400" dirty="0">
+              <a:latin typeface="+mj-lt"/>
+            </a:endParaRPr>
+          </a:p>
+        </p:txBody>
+      </p:sp>
+      <p:sp>
+        <p:nvSpPr>
+          <p:cNvPr id="6" name="Rectangle 5"/>
+          <p:cNvSpPr/>
+          <p:nvPr/>
+        </p:nvSpPr>
+        <p:spPr>
+          <a:xfrm>
+            <a:off x="1093859" y="3417088"/>
+            <a:ext cx="1738892" cy="835313"/>
+          </a:xfrm>
+          <a:prstGeom prst="rect">
+            <a:avLst/>
+          </a:prstGeom>
+        </p:spPr>
+        <p:style>
+          <a:lnRef idx="2">
+            <a:schemeClr val="accent1">
+              <a:shade val="50000"/>
+            </a:schemeClr>
+          </a:lnRef>
+          <a:fillRef idx="1">
+            <a:schemeClr val="accent1"/>
+          </a:fillRef>
+          <a:effectRef idx="0">
+            <a:schemeClr val="accent1"/>
+          </a:effectRef>
+          <a:fontRef idx="minor">
+            <a:schemeClr val="lt1"/>
+          </a:fontRef>
+        </p:style>
+        <p:txBody>
+          <a:bodyPr rtlCol="0" anchor="ctr"/>
+          <a:lstStyle/>
+          <a:p>
+            <a:pPr algn="ctr"/>
+            <a:endParaRPr lang="fr-FR"/>
+          </a:p>
+        </p:txBody>
+      </p:sp>
+      <p:sp>
+        <p:nvSpPr>
+          <p:cNvPr id="7" name="ZoneTexte 6"/>
+          <p:cNvSpPr txBox="1"/>
+          <p:nvPr/>
+        </p:nvSpPr>
+        <p:spPr>
+          <a:xfrm>
+            <a:off x="1053526" y="3417088"/>
+            <a:ext cx="1991662" cy="769441"/>
+          </a:xfrm>
+          <a:prstGeom prst="rect">
+            <a:avLst/>
+          </a:prstGeom>
+          <a:noFill/>
+        </p:spPr>
+        <p:txBody>
+          <a:bodyPr wrap="square" rtlCol="0">
+            <a:spAutoFit/>
+          </a:bodyPr>
+          <a:lstStyle/>
+          <a:p>
+            <a:r>
+              <a:rPr lang="fr-FR" sz="1100" dirty="0" smtClean="0">
+                <a:latin typeface="+mj-lt"/>
+              </a:rPr>
+              <a:t>x: </a:t>
+            </a:r>
+            <a:r>
+              <a:rPr lang="fr-FR" sz="1100" dirty="0" smtClean="0">
+                <a:latin typeface="+mj-lt"/>
+              </a:rPr>
+              <a:t>N x {BS, NBLK, BRLX</a:t>
+            </a:r>
+            <a:r>
+              <a:rPr lang="fr-FR" sz="1100" smtClean="0">
+                <a:latin typeface="+mj-lt"/>
+              </a:rPr>
+              <a:t>, 1}</a:t>
+            </a:r>
+            <a:endParaRPr lang="fr-FR" sz="1100" dirty="0" smtClean="0">
+              <a:latin typeface="+mj-lt"/>
+            </a:endParaRPr>
+          </a:p>
+          <a:p>
+            <a:r>
+              <a:rPr lang="fr-FR" sz="1100" dirty="0" smtClean="0">
+                <a:latin typeface="+mj-lt"/>
+              </a:rPr>
+              <a:t>y: </a:t>
+            </a:r>
+            <a:r>
+              <a:rPr lang="pt-BR" sz="1100" dirty="0">
+                <a:latin typeface="+mj-lt"/>
+              </a:rPr>
+              <a:t>N x </a:t>
+            </a:r>
+            <a:r>
+              <a:rPr lang="pt-BR" sz="1100" dirty="0" smtClean="0">
+                <a:latin typeface="+mj-lt"/>
+              </a:rPr>
+              <a:t>{BS</a:t>
+            </a:r>
+            <a:r>
+              <a:rPr lang="pt-BR" sz="1100" dirty="0">
+                <a:latin typeface="+mj-lt"/>
+              </a:rPr>
+              <a:t>, NBLK, BRLX, </a:t>
+            </a:r>
+            <a:r>
+              <a:rPr lang="pt-BR" sz="1100" dirty="0" smtClean="0">
+                <a:latin typeface="+mj-lt"/>
+              </a:rPr>
+              <a:t>1}</a:t>
+            </a:r>
+          </a:p>
+          <a:p>
+            <a:r>
+              <a:rPr lang="fr-FR" sz="1100" dirty="0" err="1" smtClean="0">
+                <a:latin typeface="+mj-lt"/>
+              </a:rPr>
+              <a:t>dy</a:t>
+            </a:r>
+            <a:r>
+              <a:rPr lang="fr-FR" sz="1100" dirty="0" smtClean="0">
+                <a:latin typeface="+mj-lt"/>
+              </a:rPr>
+              <a:t>: </a:t>
+            </a:r>
+            <a:r>
+              <a:rPr lang="pt-BR" sz="1100" dirty="0">
+                <a:latin typeface="+mj-lt"/>
+              </a:rPr>
+              <a:t>N x </a:t>
+            </a:r>
+            <a:r>
+              <a:rPr lang="pt-BR" sz="1100" dirty="0" smtClean="0">
+                <a:latin typeface="+mj-lt"/>
+              </a:rPr>
+              <a:t>{BS</a:t>
+            </a:r>
+            <a:r>
+              <a:rPr lang="pt-BR" sz="1100" dirty="0">
+                <a:latin typeface="+mj-lt"/>
+              </a:rPr>
+              <a:t>, NBLK, BRLX, </a:t>
+            </a:r>
+            <a:r>
+              <a:rPr lang="pt-BR" sz="1100" dirty="0" smtClean="0">
+                <a:latin typeface="+mj-lt"/>
+              </a:rPr>
+              <a:t>1}</a:t>
+            </a:r>
+          </a:p>
+          <a:p>
+            <a:r>
+              <a:rPr lang="fr-FR" sz="1100" dirty="0" err="1" smtClean="0">
+                <a:latin typeface="+mj-lt"/>
+              </a:rPr>
+              <a:t>mask</a:t>
+            </a:r>
+            <a:r>
+              <a:rPr lang="fr-FR" sz="1100" dirty="0" smtClean="0">
+                <a:latin typeface="+mj-lt"/>
+              </a:rPr>
+              <a:t>: </a:t>
+            </a:r>
+            <a:r>
+              <a:rPr lang="pt-BR" sz="1100" dirty="0">
+                <a:latin typeface="+mj-lt"/>
+              </a:rPr>
+              <a:t>N x </a:t>
+            </a:r>
+            <a:r>
+              <a:rPr lang="pt-BR" sz="1100" dirty="0" smtClean="0">
+                <a:latin typeface="+mj-lt"/>
+              </a:rPr>
+              <a:t>{BS</a:t>
+            </a:r>
+            <a:r>
+              <a:rPr lang="pt-BR" sz="1100" dirty="0">
+                <a:latin typeface="+mj-lt"/>
+              </a:rPr>
+              <a:t>, NBLK, BRLX, </a:t>
+            </a:r>
+            <a:r>
+              <a:rPr lang="pt-BR" sz="1100" dirty="0" smtClean="0">
+                <a:latin typeface="+mj-lt"/>
+              </a:rPr>
+              <a:t>1}</a:t>
+            </a:r>
+            <a:endParaRPr lang="fr-FR" sz="1100" dirty="0">
+              <a:latin typeface="+mj-lt"/>
+            </a:endParaRPr>
+          </a:p>
+        </p:txBody>
+      </p:sp>
+      <p:sp>
+        <p:nvSpPr>
+          <p:cNvPr id="8" name="Rectangle 7"/>
+          <p:cNvSpPr/>
+          <p:nvPr/>
+        </p:nvSpPr>
+        <p:spPr>
+          <a:xfrm>
+            <a:off x="693438" y="4324332"/>
+            <a:ext cx="2589427" cy="276999"/>
+          </a:xfrm>
+          <a:prstGeom prst="rect">
+            <a:avLst/>
+          </a:prstGeom>
+        </p:spPr>
+        <p:txBody>
+          <a:bodyPr wrap="none">
+            <a:spAutoFit/>
+          </a:bodyPr>
+          <a:lstStyle/>
+          <a:p>
+            <a:r>
+              <a:rPr lang="fr-FR" sz="1200" dirty="0"/>
+              <a:t>{</a:t>
+            </a:r>
+            <a:r>
+              <a:rPr lang="fr-FR" sz="1200" dirty="0" smtClean="0"/>
+              <a:t>NBLK,1} x ({BRLX,1} </a:t>
+            </a:r>
+            <a:r>
+              <a:rPr lang="fr-FR" sz="1200" dirty="0" err="1" smtClean="0"/>
+              <a:t>cell</a:t>
+            </a:r>
+            <a:r>
+              <a:rPr lang="fr-FR" sz="1200" dirty="0" smtClean="0"/>
+              <a:t> </a:t>
+            </a:r>
+            <a:r>
+              <a:rPr lang="fr-FR" sz="1200" dirty="0" err="1"/>
+              <a:t>array</a:t>
+            </a:r>
+            <a:r>
+              <a:rPr lang="fr-FR" sz="1200" dirty="0"/>
+              <a:t> of </a:t>
+            </a:r>
+            <a:r>
+              <a:rPr lang="fr-FR" sz="1200" dirty="0" err="1"/>
+              <a:t>struct</a:t>
+            </a:r>
+            <a:endParaRPr lang="fr-FR" sz="1200" dirty="0"/>
+          </a:p>
+        </p:txBody>
+      </p:sp>
+      <p:sp>
+        <p:nvSpPr>
+          <p:cNvPr id="9" name="ZoneTexte 8"/>
+          <p:cNvSpPr txBox="1"/>
+          <p:nvPr/>
+        </p:nvSpPr>
+        <p:spPr>
+          <a:xfrm>
+            <a:off x="756588" y="1484361"/>
+            <a:ext cx="10420207" cy="1600438"/>
+          </a:xfrm>
+          <a:prstGeom prst="rect">
+            <a:avLst/>
+          </a:prstGeom>
+          <a:noFill/>
+        </p:spPr>
+        <p:txBody>
+          <a:bodyPr wrap="square" rtlCol="0">
+            <a:spAutoFit/>
+          </a:bodyPr>
+          <a:lstStyle/>
+          <a:p>
+            <a:pPr marL="285750" indent="-285750">
+              <a:buFont typeface="Arial" panose="020B0604020202020204" pitchFamily="34" charset="0"/>
+              <a:buChar char="•"/>
+            </a:pPr>
+            <a:r>
+              <a:rPr lang="fr-FR" sz="1400" dirty="0" err="1"/>
+              <a:t>n</a:t>
+            </a:r>
+            <a:r>
+              <a:rPr lang="fr-FR" sz="1400" dirty="0" err="1" smtClean="0"/>
+              <a:t>ew_data</a:t>
+            </a:r>
+            <a:r>
+              <a:rPr lang="fr-FR" sz="1400" dirty="0" smtClean="0"/>
+              <a:t> </a:t>
+            </a:r>
+            <a:r>
+              <a:rPr lang="fr-FR" sz="1400" dirty="0" err="1" smtClean="0"/>
+              <a:t>is</a:t>
+            </a:r>
+            <a:r>
+              <a:rPr lang="fr-FR" sz="1400" dirty="0" smtClean="0"/>
+              <a:t> one of the output of </a:t>
+            </a:r>
+            <a:r>
+              <a:rPr lang="fr-FR" sz="1400" dirty="0" err="1" smtClean="0"/>
+              <a:t>applyProcess</a:t>
+            </a:r>
+            <a:r>
+              <a:rPr lang="fr-FR" sz="1400" dirty="0" smtClean="0"/>
+              <a:t>(). It </a:t>
+            </a:r>
+            <a:r>
+              <a:rPr lang="fr-FR" sz="1400" dirty="0" err="1" smtClean="0"/>
+              <a:t>actually</a:t>
+            </a:r>
+            <a:r>
+              <a:rPr lang="fr-FR" sz="1400" dirty="0" smtClean="0"/>
+              <a:t> corresponds to the </a:t>
+            </a:r>
+            <a:r>
+              <a:rPr lang="fr-FR" sz="1400" dirty="0" err="1" smtClean="0"/>
+              <a:t>new_data</a:t>
+            </a:r>
+            <a:r>
+              <a:rPr lang="fr-FR" sz="1400" dirty="0" smtClean="0"/>
+              <a:t> to set in the </a:t>
+            </a:r>
+            <a:r>
+              <a:rPr lang="fr-FR" sz="1400" dirty="0" err="1" smtClean="0"/>
+              <a:t>childObj</a:t>
+            </a:r>
+            <a:r>
+              <a:rPr lang="fr-FR" sz="1400" dirty="0" smtClean="0"/>
+              <a:t> (x, y, …). </a:t>
+            </a:r>
+            <a:r>
+              <a:rPr lang="fr-FR" sz="1400" dirty="0" err="1"/>
+              <a:t>n</a:t>
+            </a:r>
+            <a:r>
+              <a:rPr lang="fr-FR" sz="1400" dirty="0" err="1" smtClean="0"/>
+              <a:t>ew_data</a:t>
+            </a:r>
+            <a:r>
+              <a:rPr lang="fr-FR" sz="1400" dirty="0" smtClean="0"/>
+              <a:t> </a:t>
+            </a:r>
+            <a:r>
+              <a:rPr lang="fr-FR" sz="1400" dirty="0" err="1" smtClean="0"/>
+              <a:t>can</a:t>
+            </a:r>
+            <a:r>
+              <a:rPr lang="fr-FR" sz="1400" dirty="0" smtClean="0"/>
+              <a:t> </a:t>
+            </a:r>
+            <a:r>
+              <a:rPr lang="fr-FR" sz="1400" dirty="0" err="1" smtClean="0"/>
+              <a:t>be</a:t>
+            </a:r>
+            <a:r>
+              <a:rPr lang="fr-FR" sz="1400" dirty="0" smtClean="0"/>
+              <a:t> </a:t>
+            </a:r>
+            <a:r>
+              <a:rPr lang="fr-FR" sz="1400" dirty="0" err="1" smtClean="0"/>
+              <a:t>empty</a:t>
+            </a:r>
+            <a:r>
+              <a:rPr lang="fr-FR" sz="1400" dirty="0" smtClean="0"/>
+              <a:t> if no output are </a:t>
+            </a:r>
+            <a:r>
+              <a:rPr lang="fr-FR" sz="1400" dirty="0" err="1" smtClean="0"/>
+              <a:t>done</a:t>
+            </a:r>
+            <a:r>
+              <a:rPr lang="fr-FR" sz="1400" dirty="0" smtClean="0"/>
+              <a:t> (ex: </a:t>
+            </a:r>
+            <a:r>
+              <a:rPr lang="fr-FR" sz="1400" dirty="0" err="1" smtClean="0"/>
+              <a:t>DispersionModel</a:t>
+            </a:r>
+            <a:r>
+              <a:rPr lang="fr-FR" sz="1400" dirty="0" smtClean="0"/>
+              <a:t>). </a:t>
+            </a:r>
+            <a:r>
+              <a:rPr lang="fr-FR" sz="1400" b="1" dirty="0" err="1" smtClean="0"/>
+              <a:t>Because</a:t>
+            </a:r>
+            <a:r>
+              <a:rPr lang="fr-FR" sz="1400" b="1" dirty="0" smtClean="0"/>
+              <a:t> </a:t>
+            </a:r>
+            <a:r>
+              <a:rPr lang="fr-FR" sz="1400" b="1" dirty="0" err="1" smtClean="0"/>
+              <a:t>formated_data</a:t>
+            </a:r>
+            <a:r>
+              <a:rPr lang="fr-FR" sz="1400" b="1" dirty="0" smtClean="0"/>
+              <a:t> </a:t>
+            </a:r>
+            <a:r>
+              <a:rPr lang="fr-FR" sz="1400" b="1" dirty="0" err="1" smtClean="0"/>
+              <a:t>is</a:t>
+            </a:r>
+            <a:r>
+              <a:rPr lang="fr-FR" sz="1400" b="1" dirty="0" smtClean="0"/>
+              <a:t> an </a:t>
+            </a:r>
+            <a:r>
+              <a:rPr lang="fr-FR" sz="1400" b="1" dirty="0" err="1" smtClean="0"/>
+              <a:t>array</a:t>
+            </a:r>
+            <a:r>
+              <a:rPr lang="fr-FR" sz="1400" b="1" dirty="0" smtClean="0"/>
+              <a:t> of </a:t>
+            </a:r>
+            <a:r>
+              <a:rPr lang="fr-FR" sz="1400" b="1" dirty="0" err="1" smtClean="0"/>
+              <a:t>struct</a:t>
+            </a:r>
+            <a:r>
+              <a:rPr lang="fr-FR" sz="1400" b="1" dirty="0" smtClean="0"/>
+              <a:t>, </a:t>
+            </a:r>
+            <a:r>
+              <a:rPr lang="fr-FR" sz="1400" b="1" dirty="0" err="1" smtClean="0"/>
+              <a:t>new_data</a:t>
+            </a:r>
+            <a:r>
+              <a:rPr lang="fr-FR" sz="1400" b="1" dirty="0" smtClean="0"/>
+              <a:t> </a:t>
+            </a:r>
+            <a:r>
+              <a:rPr lang="fr-FR" sz="1400" b="1" dirty="0" err="1" smtClean="0"/>
+              <a:t>will</a:t>
+            </a:r>
+            <a:r>
+              <a:rPr lang="fr-FR" sz="1400" b="1" dirty="0" smtClean="0"/>
+              <a:t> </a:t>
+            </a:r>
+            <a:r>
+              <a:rPr lang="fr-FR" sz="1400" b="1" dirty="0" err="1" smtClean="0"/>
+              <a:t>be</a:t>
+            </a:r>
+            <a:r>
+              <a:rPr lang="fr-FR" sz="1400" b="1" dirty="0" smtClean="0"/>
+              <a:t> a </a:t>
+            </a:r>
+            <a:r>
+              <a:rPr lang="fr-FR" sz="1400" b="1" dirty="0" err="1" smtClean="0"/>
+              <a:t>cell</a:t>
+            </a:r>
+            <a:r>
+              <a:rPr lang="fr-FR" sz="1400" b="1" dirty="0" smtClean="0"/>
+              <a:t> </a:t>
+            </a:r>
+            <a:r>
+              <a:rPr lang="fr-FR" sz="1400" b="1" dirty="0" err="1" smtClean="0"/>
+              <a:t>array</a:t>
+            </a:r>
+            <a:r>
+              <a:rPr lang="fr-FR" sz="1400" dirty="0" smtClean="0"/>
+              <a:t>.</a:t>
+            </a:r>
+            <a:r>
+              <a:rPr lang="fr-FR" sz="1400" dirty="0" smtClean="0"/>
+              <a:t> </a:t>
+            </a:r>
+          </a:p>
+          <a:p>
+            <a:pPr marL="285750" indent="-285750">
+              <a:buFont typeface="Arial" panose="020B0604020202020204" pitchFamily="34" charset="0"/>
+              <a:buChar char="•"/>
+            </a:pPr>
+            <a:endParaRPr lang="fr-FR" sz="1400" dirty="0" smtClean="0"/>
+          </a:p>
+          <a:p>
+            <a:pPr marL="285750" indent="-285750">
+              <a:buFont typeface="Arial" panose="020B0604020202020204" pitchFamily="34" charset="0"/>
+              <a:buChar char="•"/>
+            </a:pPr>
+            <a:r>
+              <a:rPr lang="fr-FR" sz="1400" dirty="0" smtClean="0"/>
+              <a:t>In </a:t>
+            </a:r>
+            <a:r>
+              <a:rPr lang="fr-FR" sz="1400" dirty="0" err="1" smtClean="0"/>
+              <a:t>each</a:t>
+            </a:r>
+            <a:r>
+              <a:rPr lang="fr-FR" sz="1400" dirty="0" smtClean="0"/>
+              <a:t> </a:t>
+            </a:r>
+            <a:r>
+              <a:rPr lang="fr-FR" sz="1400" dirty="0" err="1" smtClean="0"/>
+              <a:t>cell</a:t>
+            </a:r>
+            <a:r>
+              <a:rPr lang="fr-FR" sz="1400" dirty="0" smtClean="0"/>
+              <a:t> of </a:t>
+            </a:r>
+            <a:r>
+              <a:rPr lang="fr-FR" sz="1400" dirty="0" err="1" smtClean="0"/>
+              <a:t>new_data</a:t>
+            </a:r>
+            <a:r>
+              <a:rPr lang="fr-FR" sz="1400" dirty="0" smtClean="0"/>
+              <a:t>, </a:t>
+            </a:r>
+            <a:r>
+              <a:rPr lang="fr-FR" sz="1400" dirty="0" err="1" smtClean="0"/>
+              <a:t>there</a:t>
+            </a:r>
+            <a:r>
+              <a:rPr lang="fr-FR" sz="1400" dirty="0" smtClean="0"/>
+              <a:t> </a:t>
+            </a:r>
+            <a:r>
+              <a:rPr lang="fr-FR" sz="1400" dirty="0" err="1" smtClean="0"/>
+              <a:t>is</a:t>
+            </a:r>
+            <a:r>
+              <a:rPr lang="fr-FR" sz="1400" dirty="0" smtClean="0"/>
+              <a:t> the output structure of </a:t>
+            </a:r>
+            <a:r>
+              <a:rPr lang="fr-FR" sz="1400" dirty="0" err="1" smtClean="0"/>
+              <a:t>applyProcess</a:t>
+            </a:r>
+            <a:r>
+              <a:rPr lang="fr-FR" sz="1400" dirty="0" smtClean="0"/>
+              <a:t>(). The </a:t>
+            </a:r>
+            <a:r>
+              <a:rPr lang="fr-FR" sz="1400" dirty="0" err="1" smtClean="0"/>
+              <a:t>fieldnames</a:t>
+            </a:r>
+            <a:r>
+              <a:rPr lang="fr-FR" sz="1400" dirty="0" smtClean="0"/>
+              <a:t> of </a:t>
+            </a:r>
+            <a:r>
+              <a:rPr lang="fr-FR" sz="1400" dirty="0" err="1" smtClean="0"/>
+              <a:t>this</a:t>
+            </a:r>
+            <a:r>
+              <a:rPr lang="fr-FR" sz="1400" dirty="0" smtClean="0"/>
+              <a:t> structure </a:t>
+            </a:r>
+            <a:r>
+              <a:rPr lang="fr-FR" sz="1400" dirty="0" err="1" smtClean="0"/>
+              <a:t>need</a:t>
+            </a:r>
+            <a:r>
+              <a:rPr lang="fr-FR" sz="1400" dirty="0" smtClean="0"/>
+              <a:t> to fit </a:t>
+            </a:r>
+            <a:r>
+              <a:rPr lang="fr-FR" sz="1400" dirty="0" err="1" smtClean="0"/>
+              <a:t>with</a:t>
+            </a:r>
+            <a:r>
+              <a:rPr lang="fr-FR" sz="1400" dirty="0" smtClean="0"/>
+              <a:t> the </a:t>
+            </a:r>
+            <a:r>
+              <a:rPr lang="fr-FR" sz="1400" dirty="0" err="1" smtClean="0"/>
+              <a:t>property</a:t>
+            </a:r>
+            <a:r>
+              <a:rPr lang="fr-FR" sz="1400" dirty="0" smtClean="0"/>
+              <a:t> of </a:t>
+            </a:r>
+            <a:r>
+              <a:rPr lang="fr-FR" sz="1400" dirty="0" err="1" smtClean="0"/>
+              <a:t>DataUnit</a:t>
+            </a:r>
+            <a:r>
+              <a:rPr lang="fr-FR" sz="1400" dirty="0" smtClean="0"/>
+              <a:t>. </a:t>
+            </a:r>
+            <a:r>
+              <a:rPr lang="fr-FR" sz="1400" dirty="0" err="1" smtClean="0"/>
+              <a:t>Each</a:t>
+            </a:r>
+            <a:r>
+              <a:rPr lang="fr-FR" sz="1400" dirty="0" smtClean="0"/>
+              <a:t> </a:t>
+            </a:r>
+            <a:r>
+              <a:rPr lang="fr-FR" sz="1400" dirty="0" err="1" smtClean="0"/>
+              <a:t>fields</a:t>
+            </a:r>
+            <a:r>
+              <a:rPr lang="fr-FR" sz="1400" dirty="0" smtClean="0"/>
+              <a:t> </a:t>
+            </a:r>
+            <a:r>
+              <a:rPr lang="fr-FR" sz="1400" dirty="0" err="1" smtClean="0"/>
+              <a:t>is</a:t>
+            </a:r>
+            <a:r>
+              <a:rPr lang="fr-FR" sz="1400" dirty="0" smtClean="0"/>
+              <a:t> a N x </a:t>
+            </a:r>
+            <a:r>
+              <a:rPr lang="fr-FR" sz="1400" dirty="0"/>
+              <a:t>{</a:t>
+            </a:r>
+            <a:r>
+              <a:rPr lang="fr-FR" sz="1400" dirty="0" smtClean="0"/>
+              <a:t>BS, NBLK, BRLX, 1} matrix </a:t>
+            </a:r>
+            <a:r>
+              <a:rPr lang="fr-FR" sz="1400" dirty="0" err="1" smtClean="0"/>
+              <a:t>depending</a:t>
+            </a:r>
+            <a:r>
+              <a:rPr lang="fr-FR" sz="1400" dirty="0" smtClean="0"/>
+              <a:t> on the </a:t>
+            </a:r>
+            <a:r>
+              <a:rPr lang="fr-FR" sz="1400" dirty="0" err="1" smtClean="0"/>
+              <a:t>parentObj</a:t>
+            </a:r>
+            <a:r>
+              <a:rPr lang="fr-FR" sz="1400" dirty="0" smtClean="0"/>
+              <a:t> and format class. N </a:t>
+            </a:r>
+            <a:r>
+              <a:rPr lang="fr-FR" sz="1400" dirty="0" err="1" smtClean="0"/>
+              <a:t>is</a:t>
+            </a:r>
+            <a:r>
+              <a:rPr lang="fr-FR" sz="1400" dirty="0" smtClean="0"/>
+              <a:t> the </a:t>
+            </a:r>
+            <a:r>
+              <a:rPr lang="fr-FR" sz="1400" dirty="0" err="1" smtClean="0"/>
+              <a:t>number</a:t>
+            </a:r>
+            <a:r>
+              <a:rPr lang="fr-FR" sz="1400" dirty="0" smtClean="0"/>
+              <a:t> of </a:t>
+            </a:r>
+            <a:r>
+              <a:rPr lang="fr-FR" sz="1400" dirty="0" err="1" smtClean="0"/>
+              <a:t>childObj</a:t>
+            </a:r>
+            <a:r>
+              <a:rPr lang="fr-FR" sz="1400" dirty="0" smtClean="0"/>
+              <a:t> to </a:t>
+            </a:r>
+            <a:r>
+              <a:rPr lang="fr-FR" sz="1400" dirty="0" err="1" smtClean="0"/>
+              <a:t>create</a:t>
+            </a:r>
+            <a:r>
+              <a:rPr lang="fr-FR" sz="1400" dirty="0" smtClean="0"/>
+              <a:t> (ex: BiexT1 </a:t>
+            </a:r>
+            <a:r>
+              <a:rPr lang="fr-FR" sz="1400" dirty="0" err="1" smtClean="0"/>
+              <a:t>will</a:t>
+            </a:r>
+            <a:r>
+              <a:rPr lang="fr-FR" sz="1400" dirty="0" smtClean="0"/>
+              <a:t> </a:t>
+            </a:r>
+            <a:r>
+              <a:rPr lang="fr-FR" sz="1400" dirty="0" err="1" smtClean="0"/>
+              <a:t>returned</a:t>
+            </a:r>
+            <a:r>
+              <a:rPr lang="fr-FR" sz="1400" dirty="0" smtClean="0"/>
+              <a:t> 2 x 1 </a:t>
+            </a:r>
+            <a:r>
+              <a:rPr lang="fr-FR" sz="1400" dirty="0" err="1" smtClean="0"/>
+              <a:t>vector</a:t>
+            </a:r>
+            <a:r>
+              <a:rPr lang="fr-FR" sz="1400" dirty="0" smtClean="0"/>
+              <a:t>, </a:t>
+            </a:r>
+            <a:r>
+              <a:rPr lang="fr-FR" sz="1400" dirty="0" err="1" smtClean="0"/>
+              <a:t>AverageAbs</a:t>
+            </a:r>
+            <a:r>
+              <a:rPr lang="fr-FR" sz="1400" dirty="0" smtClean="0"/>
+              <a:t> </a:t>
+            </a:r>
+            <a:r>
+              <a:rPr lang="fr-FR" sz="1400" dirty="0" err="1" smtClean="0"/>
+              <a:t>will</a:t>
+            </a:r>
+            <a:r>
+              <a:rPr lang="fr-FR" sz="1400" dirty="0" smtClean="0"/>
+              <a:t> </a:t>
+            </a:r>
+            <a:r>
+              <a:rPr lang="fr-FR" sz="1400" dirty="0" err="1" smtClean="0"/>
+              <a:t>returned</a:t>
+            </a:r>
+            <a:r>
+              <a:rPr lang="fr-FR" sz="1400" dirty="0" smtClean="0"/>
+              <a:t> 1 x BS </a:t>
+            </a:r>
+            <a:r>
+              <a:rPr lang="fr-FR" sz="1400" dirty="0" err="1" smtClean="0"/>
+              <a:t>vector</a:t>
+            </a:r>
+            <a:r>
+              <a:rPr lang="fr-FR" sz="1400" dirty="0" smtClean="0"/>
+              <a:t>, </a:t>
+            </a:r>
+            <a:r>
+              <a:rPr lang="fr-FR" sz="1400" dirty="0" err="1" smtClean="0"/>
+              <a:t>DispersionModel</a:t>
+            </a:r>
+            <a:r>
+              <a:rPr lang="fr-FR" sz="1400" dirty="0" smtClean="0"/>
+              <a:t> </a:t>
+            </a:r>
+            <a:r>
+              <a:rPr lang="fr-FR" sz="1400" dirty="0" err="1" smtClean="0"/>
+              <a:t>nothing</a:t>
+            </a:r>
+            <a:r>
+              <a:rPr lang="fr-FR" sz="1400" dirty="0" smtClean="0"/>
+              <a:t> (!), </a:t>
+            </a:r>
+            <a:r>
+              <a:rPr lang="fr-FR" sz="1400" dirty="0" err="1" smtClean="0"/>
+              <a:t>Smooth</a:t>
+            </a:r>
+            <a:r>
+              <a:rPr lang="fr-FR" sz="1400" dirty="0" smtClean="0"/>
+              <a:t> a 1 x BRLX </a:t>
+            </a:r>
+            <a:r>
+              <a:rPr lang="fr-FR" sz="1400" dirty="0" err="1" smtClean="0"/>
+              <a:t>vector</a:t>
+            </a:r>
+            <a:r>
+              <a:rPr lang="fr-FR" sz="1400" dirty="0" smtClean="0"/>
+              <a:t>,…)</a:t>
+            </a:r>
+            <a:endParaRPr lang="fr-FR" sz="1400" dirty="0" smtClean="0"/>
+          </a:p>
+        </p:txBody>
+      </p:sp>
+      <p:cxnSp>
+        <p:nvCxnSpPr>
+          <p:cNvPr id="11" name="Connecteur droit avec flèche 10"/>
+          <p:cNvCxnSpPr>
+            <a:stCxn id="7" idx="3"/>
+          </p:cNvCxnSpPr>
+          <p:nvPr/>
+        </p:nvCxnSpPr>
+        <p:spPr>
+          <a:xfrm>
+            <a:off x="3045188" y="3801809"/>
+            <a:ext cx="3872848" cy="0"/>
+          </a:xfrm>
+          <a:prstGeom prst="straightConnector1">
+            <a:avLst/>
+          </a:prstGeom>
+          <a:ln w="28575">
+            <a:tailEnd type="triangle"/>
+          </a:ln>
+        </p:spPr>
+        <p:style>
+          <a:lnRef idx="1">
+            <a:schemeClr val="accent1"/>
+          </a:lnRef>
+          <a:fillRef idx="0">
+            <a:schemeClr val="accent1"/>
+          </a:fillRef>
+          <a:effectRef idx="0">
+            <a:schemeClr val="accent1"/>
+          </a:effectRef>
+          <a:fontRef idx="minor">
+            <a:schemeClr val="tx1"/>
+          </a:fontRef>
+        </p:style>
+      </p:cxnSp>
+      <p:sp>
+        <p:nvSpPr>
+          <p:cNvPr id="13" name="Rectangle 12"/>
+          <p:cNvSpPr/>
+          <p:nvPr/>
+        </p:nvSpPr>
+        <p:spPr>
+          <a:xfrm>
+            <a:off x="4289499" y="3483062"/>
+            <a:ext cx="1384225" cy="276999"/>
+          </a:xfrm>
+          <a:prstGeom prst="rect">
+            <a:avLst/>
+          </a:prstGeom>
+        </p:spPr>
+        <p:txBody>
+          <a:bodyPr wrap="none">
+            <a:spAutoFit/>
+          </a:bodyPr>
+          <a:lstStyle/>
+          <a:p>
+            <a:r>
+              <a:rPr lang="fr-FR" sz="1200" dirty="0" err="1"/>
+              <a:t>makeProcessData</a:t>
+            </a:r>
+            <a:r>
+              <a:rPr lang="fr-FR" sz="1200" dirty="0" smtClean="0"/>
+              <a:t>()</a:t>
+            </a:r>
+            <a:endParaRPr lang="fr-FR" sz="1200" dirty="0"/>
+          </a:p>
+        </p:txBody>
+      </p:sp>
+      <p:sp>
+        <p:nvSpPr>
+          <p:cNvPr id="14" name="Rectangle 13"/>
+          <p:cNvSpPr/>
+          <p:nvPr/>
+        </p:nvSpPr>
+        <p:spPr>
+          <a:xfrm>
+            <a:off x="7102114" y="3409508"/>
+            <a:ext cx="1738892" cy="835313"/>
+          </a:xfrm>
+          <a:prstGeom prst="rect">
+            <a:avLst/>
+          </a:prstGeom>
+        </p:spPr>
+        <p:style>
+          <a:lnRef idx="2">
+            <a:schemeClr val="accent1">
+              <a:shade val="50000"/>
+            </a:schemeClr>
+          </a:lnRef>
+          <a:fillRef idx="1">
+            <a:schemeClr val="accent1"/>
+          </a:fillRef>
+          <a:effectRef idx="0">
+            <a:schemeClr val="accent1"/>
+          </a:effectRef>
+          <a:fontRef idx="minor">
+            <a:schemeClr val="lt1"/>
+          </a:fontRef>
+        </p:style>
+        <p:txBody>
+          <a:bodyPr rtlCol="0" anchor="ctr"/>
+          <a:lstStyle/>
+          <a:p>
+            <a:pPr algn="ctr"/>
+            <a:endParaRPr lang="fr-FR"/>
+          </a:p>
+        </p:txBody>
+      </p:sp>
+      <p:sp>
+        <p:nvSpPr>
+          <p:cNvPr id="15" name="ZoneTexte 14"/>
+          <p:cNvSpPr txBox="1"/>
+          <p:nvPr/>
+        </p:nvSpPr>
+        <p:spPr>
+          <a:xfrm>
+            <a:off x="7102114" y="3417088"/>
+            <a:ext cx="1991662" cy="769441"/>
+          </a:xfrm>
+          <a:prstGeom prst="rect">
+            <a:avLst/>
+          </a:prstGeom>
+          <a:noFill/>
+        </p:spPr>
+        <p:txBody>
+          <a:bodyPr wrap="square" rtlCol="0">
+            <a:spAutoFit/>
+          </a:bodyPr>
+          <a:lstStyle/>
+          <a:p>
+            <a:r>
+              <a:rPr lang="fr-FR" sz="1100" dirty="0" smtClean="0">
+                <a:latin typeface="+mj-lt"/>
+              </a:rPr>
+              <a:t>x: </a:t>
+            </a:r>
+            <a:r>
+              <a:rPr lang="fr-FR" sz="1100" dirty="0" err="1" smtClean="0">
+                <a:latin typeface="+mj-lt"/>
+              </a:rPr>
+              <a:t>depends</a:t>
+            </a:r>
+            <a:r>
+              <a:rPr lang="fr-FR" sz="1100" dirty="0" smtClean="0">
+                <a:latin typeface="+mj-lt"/>
+              </a:rPr>
+              <a:t> on format</a:t>
+            </a:r>
+          </a:p>
+          <a:p>
+            <a:r>
+              <a:rPr lang="fr-FR" sz="1100" dirty="0" smtClean="0">
+                <a:latin typeface="+mj-lt"/>
+              </a:rPr>
+              <a:t>y</a:t>
+            </a:r>
+            <a:r>
+              <a:rPr lang="fr-FR" sz="1100" dirty="0" smtClean="0">
+                <a:latin typeface="+mj-lt"/>
+              </a:rPr>
+              <a:t>: </a:t>
+            </a:r>
+            <a:r>
+              <a:rPr lang="fr-FR" sz="1100" dirty="0" smtClean="0">
+                <a:latin typeface="+mj-lt"/>
+              </a:rPr>
+              <a:t> </a:t>
+            </a:r>
+            <a:r>
+              <a:rPr lang="fr-FR" sz="1100" dirty="0" err="1" smtClean="0">
+                <a:latin typeface="+mj-lt"/>
+              </a:rPr>
+              <a:t>depends</a:t>
+            </a:r>
+            <a:r>
+              <a:rPr lang="fr-FR" sz="1100" dirty="0" smtClean="0">
+                <a:latin typeface="+mj-lt"/>
+              </a:rPr>
+              <a:t> on format</a:t>
+            </a:r>
+          </a:p>
+          <a:p>
+            <a:r>
+              <a:rPr lang="fr-FR" sz="1100" dirty="0" err="1" smtClean="0">
+                <a:latin typeface="+mj-lt"/>
+              </a:rPr>
+              <a:t>dy</a:t>
+            </a:r>
+            <a:r>
+              <a:rPr lang="fr-FR" sz="1100" dirty="0" smtClean="0">
+                <a:latin typeface="+mj-lt"/>
+              </a:rPr>
+              <a:t>: </a:t>
+            </a:r>
+            <a:r>
+              <a:rPr lang="fr-FR" sz="1100" dirty="0" err="1" smtClean="0">
+                <a:latin typeface="+mj-lt"/>
+              </a:rPr>
+              <a:t>depends</a:t>
+            </a:r>
+            <a:endParaRPr lang="fr-FR" sz="1100" dirty="0" smtClean="0">
+              <a:latin typeface="+mj-lt"/>
+            </a:endParaRPr>
+          </a:p>
+          <a:p>
+            <a:r>
+              <a:rPr lang="fr-FR" sz="1100" dirty="0" err="1" smtClean="0">
+                <a:latin typeface="+mj-lt"/>
+              </a:rPr>
+              <a:t>mask</a:t>
+            </a:r>
+            <a:r>
+              <a:rPr lang="fr-FR" sz="1100" dirty="0" smtClean="0">
+                <a:latin typeface="+mj-lt"/>
+              </a:rPr>
+              <a:t>: </a:t>
+            </a:r>
+            <a:r>
+              <a:rPr lang="fr-FR" sz="1100" dirty="0" err="1" smtClean="0">
+                <a:latin typeface="+mj-lt"/>
+              </a:rPr>
+              <a:t>depends</a:t>
+            </a:r>
+            <a:endParaRPr lang="fr-FR" sz="1100" dirty="0">
+              <a:latin typeface="+mj-lt"/>
+            </a:endParaRPr>
+          </a:p>
+        </p:txBody>
+      </p:sp>
+      <p:sp>
+        <p:nvSpPr>
+          <p:cNvPr id="16" name="Rectangle 15"/>
+          <p:cNvSpPr/>
+          <p:nvPr/>
+        </p:nvSpPr>
+        <p:spPr>
+          <a:xfrm>
+            <a:off x="7102114" y="4316753"/>
+            <a:ext cx="1738891" cy="276999"/>
+          </a:xfrm>
+          <a:prstGeom prst="rect">
+            <a:avLst/>
+          </a:prstGeom>
+        </p:spPr>
+        <p:txBody>
+          <a:bodyPr wrap="square">
+            <a:spAutoFit/>
+          </a:bodyPr>
+          <a:lstStyle/>
+          <a:p>
+            <a:pPr algn="ctr"/>
+            <a:r>
+              <a:rPr lang="fr-FR" sz="1200" dirty="0" smtClean="0"/>
+              <a:t>1 x N  </a:t>
+            </a:r>
+            <a:r>
+              <a:rPr lang="fr-FR" sz="1200" dirty="0" err="1" smtClean="0"/>
+              <a:t>DataUnit</a:t>
+            </a:r>
+            <a:endParaRPr lang="fr-FR" sz="1200" dirty="0"/>
+          </a:p>
+        </p:txBody>
+      </p:sp>
+    </p:spTree>
+    <p:extLst>
+      <p:ext uri="{BB962C8B-B14F-4D97-AF65-F5344CB8AC3E}">
+        <p14:creationId xmlns:p14="http://schemas.microsoft.com/office/powerpoint/2010/main" val="2793515942"/>
       </p:ext>
     </p:extLst>
   </p:cSld>
@@ -9454,9 +10678,6 @@
               </a:rPr>
               <a:t>() </a:t>
             </a:r>
-            <a:endParaRPr lang="fr-FR" sz="1100" dirty="0" smtClean="0">
-              <a:latin typeface="+mj-lt"/>
-            </a:endParaRPr>
           </a:p>
           <a:p>
             <a:r>
@@ -10146,9 +11367,6 @@
               </a:rPr>
               <a:t>()</a:t>
             </a:r>
-            <a:endParaRPr lang="fr-FR" sz="1000" dirty="0" smtClean="0">
-              <a:latin typeface="+mj-lt"/>
-            </a:endParaRPr>
           </a:p>
           <a:p>
             <a:r>
@@ -10177,9 +11395,6 @@
               </a:rPr>
               <a:t>()</a:t>
             </a:r>
-            <a:endParaRPr lang="fr-FR" sz="1000" dirty="0" smtClean="0">
-              <a:latin typeface="+mj-lt"/>
-            </a:endParaRPr>
           </a:p>
           <a:p>
             <a:r>
@@ -10188,9 +11403,6 @@
               </a:rPr>
               <a:t>…</a:t>
             </a:r>
-            <a:endParaRPr lang="fr-FR" sz="1000" dirty="0" smtClean="0">
-              <a:latin typeface="+mj-lt"/>
-            </a:endParaRPr>
           </a:p>
           <a:p>
             <a:endParaRPr lang="fr-FR" sz="1000" dirty="0">
@@ -10936,9 +12148,6 @@
               </a:rPr>
               <a:t>()</a:t>
             </a:r>
-            <a:endParaRPr lang="fr-FR" sz="1100" dirty="0" smtClean="0">
-              <a:latin typeface="+mj-lt"/>
-            </a:endParaRPr>
           </a:p>
           <a:p>
             <a:r>

--- a/Program structure.pptx
+++ b/Program structure.pptx
@@ -17,6 +17,7 @@
     <p:sldId id="267" r:id="rId11"/>
     <p:sldId id="268" r:id="rId12"/>
     <p:sldId id="269" r:id="rId13"/>
+    <p:sldId id="270" r:id="rId14"/>
   </p:sldIdLst>
   <p:sldSz cx="12192000" cy="6858000"/>
   <p:notesSz cx="6858000" cy="9144000"/>
@@ -254,7 +255,7 @@
           <a:p>
             <a:fld id="{B0924AB5-8FE9-4C2F-821D-2EC7D628A48B}" type="datetimeFigureOut">
               <a:rPr lang="en-GB" smtClean="0"/>
-              <a:t>16/01/2019</a:t>
+              <a:t>21/01/2019</a:t>
             </a:fld>
             <a:endParaRPr lang="en-GB"/>
           </a:p>
@@ -424,7 +425,7 @@
           <a:p>
             <a:fld id="{B0924AB5-8FE9-4C2F-821D-2EC7D628A48B}" type="datetimeFigureOut">
               <a:rPr lang="en-GB" smtClean="0"/>
-              <a:t>16/01/2019</a:t>
+              <a:t>21/01/2019</a:t>
             </a:fld>
             <a:endParaRPr lang="en-GB"/>
           </a:p>
@@ -604,7 +605,7 @@
           <a:p>
             <a:fld id="{B0924AB5-8FE9-4C2F-821D-2EC7D628A48B}" type="datetimeFigureOut">
               <a:rPr lang="en-GB" smtClean="0"/>
-              <a:t>16/01/2019</a:t>
+              <a:t>21/01/2019</a:t>
             </a:fld>
             <a:endParaRPr lang="en-GB"/>
           </a:p>
@@ -774,7 +775,7 @@
           <a:p>
             <a:fld id="{B0924AB5-8FE9-4C2F-821D-2EC7D628A48B}" type="datetimeFigureOut">
               <a:rPr lang="en-GB" smtClean="0"/>
-              <a:t>16/01/2019</a:t>
+              <a:t>21/01/2019</a:t>
             </a:fld>
             <a:endParaRPr lang="en-GB"/>
           </a:p>
@@ -1020,7 +1021,7 @@
           <a:p>
             <a:fld id="{B0924AB5-8FE9-4C2F-821D-2EC7D628A48B}" type="datetimeFigureOut">
               <a:rPr lang="en-GB" smtClean="0"/>
-              <a:t>16/01/2019</a:t>
+              <a:t>21/01/2019</a:t>
             </a:fld>
             <a:endParaRPr lang="en-GB"/>
           </a:p>
@@ -1252,7 +1253,7 @@
           <a:p>
             <a:fld id="{B0924AB5-8FE9-4C2F-821D-2EC7D628A48B}" type="datetimeFigureOut">
               <a:rPr lang="en-GB" smtClean="0"/>
-              <a:t>16/01/2019</a:t>
+              <a:t>21/01/2019</a:t>
             </a:fld>
             <a:endParaRPr lang="en-GB"/>
           </a:p>
@@ -1619,7 +1620,7 @@
           <a:p>
             <a:fld id="{B0924AB5-8FE9-4C2F-821D-2EC7D628A48B}" type="datetimeFigureOut">
               <a:rPr lang="en-GB" smtClean="0"/>
-              <a:t>16/01/2019</a:t>
+              <a:t>21/01/2019</a:t>
             </a:fld>
             <a:endParaRPr lang="en-GB"/>
           </a:p>
@@ -1737,7 +1738,7 @@
           <a:p>
             <a:fld id="{B0924AB5-8FE9-4C2F-821D-2EC7D628A48B}" type="datetimeFigureOut">
               <a:rPr lang="en-GB" smtClean="0"/>
-              <a:t>16/01/2019</a:t>
+              <a:t>21/01/2019</a:t>
             </a:fld>
             <a:endParaRPr lang="en-GB"/>
           </a:p>
@@ -1832,7 +1833,7 @@
           <a:p>
             <a:fld id="{B0924AB5-8FE9-4C2F-821D-2EC7D628A48B}" type="datetimeFigureOut">
               <a:rPr lang="en-GB" smtClean="0"/>
-              <a:t>16/01/2019</a:t>
+              <a:t>21/01/2019</a:t>
             </a:fld>
             <a:endParaRPr lang="en-GB"/>
           </a:p>
@@ -2109,7 +2110,7 @@
           <a:p>
             <a:fld id="{B0924AB5-8FE9-4C2F-821D-2EC7D628A48B}" type="datetimeFigureOut">
               <a:rPr lang="en-GB" smtClean="0"/>
-              <a:t>16/01/2019</a:t>
+              <a:t>21/01/2019</a:t>
             </a:fld>
             <a:endParaRPr lang="en-GB"/>
           </a:p>
@@ -2362,7 +2363,7 @@
           <a:p>
             <a:fld id="{B0924AB5-8FE9-4C2F-821D-2EC7D628A48B}" type="datetimeFigureOut">
               <a:rPr lang="en-GB" smtClean="0"/>
-              <a:t>16/01/2019</a:t>
+              <a:t>21/01/2019</a:t>
             </a:fld>
             <a:endParaRPr lang="en-GB"/>
           </a:p>
@@ -2575,7 +2576,7 @@
           <a:p>
             <a:fld id="{B0924AB5-8FE9-4C2F-821D-2EC7D628A48B}" type="datetimeFigureOut">
               <a:rPr lang="en-GB" smtClean="0"/>
-              <a:t>16/01/2019</a:t>
+              <a:t>21/01/2019</a:t>
             </a:fld>
             <a:endParaRPr lang="en-GB"/>
           </a:p>
@@ -3395,13 +3396,7 @@
               <a:rPr lang="fr-FR" sz="1400" dirty="0" smtClean="0">
                 <a:latin typeface="+mj-lt"/>
               </a:rPr>
-              <a:t>] </a:t>
-            </a:r>
-            <a:r>
-              <a:rPr lang="fr-FR" sz="1400" dirty="0" smtClean="0">
-                <a:latin typeface="+mj-lt"/>
-              </a:rPr>
-              <a:t>= </a:t>
+              <a:t>] = </a:t>
             </a:r>
             <a:r>
               <a:rPr lang="fr-FR" sz="1400" dirty="0" err="1" smtClean="0">
@@ -4196,13 +4191,7 @@
               <a:rPr lang="fr-FR" sz="1400" dirty="0" smtClean="0">
                 <a:latin typeface="+mj-lt"/>
               </a:rPr>
-              <a:t>] </a:t>
-            </a:r>
-            <a:r>
-              <a:rPr lang="fr-FR" sz="1400" dirty="0" smtClean="0">
-                <a:latin typeface="+mj-lt"/>
-              </a:rPr>
-              <a:t>= </a:t>
+              <a:t>] = </a:t>
             </a:r>
             <a:r>
               <a:rPr lang="fr-FR" sz="1400" dirty="0" err="1" smtClean="0">
@@ -5587,25 +5576,13 @@
               <a:rPr lang="fr-FR" sz="1400" dirty="0" smtClean="0">
                 <a:latin typeface="+mj-lt"/>
               </a:rPr>
-              <a:t> </a:t>
-            </a:r>
-            <a:r>
-              <a:rPr lang="fr-FR" sz="1400" dirty="0" smtClean="0">
-                <a:latin typeface="+mj-lt"/>
-              </a:rPr>
-              <a:t>= </a:t>
+              <a:t> = </a:t>
             </a:r>
             <a:r>
               <a:rPr lang="fr-FR" sz="1400" dirty="0" err="1" smtClean="0">
                 <a:latin typeface="+mj-lt"/>
               </a:rPr>
-              <a:t>make</a:t>
-            </a:r>
-            <a:r>
-              <a:rPr lang="fr-FR" sz="1400" dirty="0" err="1" smtClean="0">
-                <a:latin typeface="+mj-lt"/>
-              </a:rPr>
-              <a:t>ProcessData</a:t>
+              <a:t>makeProcessData</a:t>
             </a:r>
             <a:r>
               <a:rPr lang="fr-FR" sz="1400" dirty="0" smtClean="0">
@@ -5721,13 +5698,7 @@
               <a:rPr lang="fr-FR" sz="1100" dirty="0" smtClean="0">
                 <a:latin typeface="+mj-lt"/>
               </a:rPr>
-              <a:t>x: </a:t>
-            </a:r>
-            <a:r>
-              <a:rPr lang="fr-FR" sz="1100" dirty="0" smtClean="0">
-                <a:latin typeface="+mj-lt"/>
-              </a:rPr>
-              <a:t>N x {BS, NBLK, BRLX</a:t>
+              <a:t>x: N x {BS, NBLK, BRLX</a:t>
             </a:r>
             <a:r>
               <a:rPr lang="fr-FR" sz="1100" smtClean="0">
@@ -6113,11 +6084,7 @@
             </a:r>
             <a:r>
               <a:rPr lang="fr-FR" sz="1400" dirty="0" smtClean="0"/>
-              <a:t>.</a:t>
-            </a:r>
-            <a:r>
-              <a:rPr lang="fr-FR" sz="1400" dirty="0" smtClean="0"/>
-              <a:t> </a:t>
+              <a:t>. </a:t>
             </a:r>
           </a:p>
           <a:p>
@@ -6400,7 +6367,6 @@
               <a:rPr lang="fr-FR" sz="1400" dirty="0" smtClean="0"/>
               <a:t>,…)</a:t>
             </a:r>
-            <a:endParaRPr lang="fr-FR" sz="1400" dirty="0" smtClean="0"/>
           </a:p>
         </p:txBody>
       </p:sp>
@@ -6558,19 +6524,7 @@
               <a:rPr lang="fr-FR" sz="1100" dirty="0" smtClean="0">
                 <a:latin typeface="+mj-lt"/>
               </a:rPr>
-              <a:t>y</a:t>
-            </a:r>
-            <a:r>
-              <a:rPr lang="fr-FR" sz="1100" dirty="0" smtClean="0">
-                <a:latin typeface="+mj-lt"/>
-              </a:rPr>
-              <a:t>: </a:t>
-            </a:r>
-            <a:r>
-              <a:rPr lang="fr-FR" sz="1100" dirty="0" smtClean="0">
-                <a:latin typeface="+mj-lt"/>
-              </a:rPr>
-              <a:t> </a:t>
+              <a:t>y:  </a:t>
             </a:r>
             <a:r>
               <a:rPr lang="fr-FR" sz="1100" dirty="0" err="1" smtClean="0">
@@ -6671,6 +6625,740 @@
     <p:extLst>
       <p:ext uri="{BB962C8B-B14F-4D97-AF65-F5344CB8AC3E}">
         <p14:creationId xmlns:p14="http://schemas.microsoft.com/office/powerpoint/2010/main" val="2793515942"/>
+      </p:ext>
+    </p:extLst>
+  </p:cSld>
+  <p:clrMapOvr>
+    <a:masterClrMapping/>
+  </p:clrMapOvr>
+</p:sld>
+</file>
+
+<file path=ppt/slides/slide13.xml><?xml version="1.0" encoding="utf-8"?>
+<p:sld xmlns:a="http://schemas.openxmlformats.org/drawingml/2006/main" xmlns:r="http://schemas.openxmlformats.org/officeDocument/2006/relationships" xmlns:p="http://schemas.openxmlformats.org/presentationml/2006/main">
+  <p:cSld>
+    <p:spTree>
+      <p:nvGrpSpPr>
+        <p:cNvPr id="1" name=""/>
+        <p:cNvGrpSpPr/>
+        <p:nvPr/>
+      </p:nvGrpSpPr>
+      <p:grpSpPr>
+        <a:xfrm>
+          <a:off x="0" y="0"/>
+          <a:ext cx="0" cy="0"/>
+          <a:chOff x="0" y="0"/>
+          <a:chExt cx="0" cy="0"/>
+        </a:xfrm>
+      </p:grpSpPr>
+      <p:sp>
+        <p:nvSpPr>
+          <p:cNvPr id="4" name="Rectangle 3"/>
+          <p:cNvSpPr/>
+          <p:nvPr/>
+        </p:nvSpPr>
+        <p:spPr>
+          <a:xfrm>
+            <a:off x="3230880" y="4685212"/>
+            <a:ext cx="1480457" cy="566057"/>
+          </a:xfrm>
+          <a:prstGeom prst="rect">
+            <a:avLst/>
+          </a:prstGeom>
+        </p:spPr>
+        <p:style>
+          <a:lnRef idx="2">
+            <a:schemeClr val="accent1">
+              <a:shade val="50000"/>
+            </a:schemeClr>
+          </a:lnRef>
+          <a:fillRef idx="1">
+            <a:schemeClr val="accent1"/>
+          </a:fillRef>
+          <a:effectRef idx="0">
+            <a:schemeClr val="accent1"/>
+          </a:effectRef>
+          <a:fontRef idx="minor">
+            <a:schemeClr val="lt1"/>
+          </a:fontRef>
+        </p:style>
+        <p:txBody>
+          <a:bodyPr rtlCol="0" anchor="ctr"/>
+          <a:lstStyle/>
+          <a:p>
+            <a:pPr algn="ctr"/>
+            <a:r>
+              <a:rPr lang="fr-FR" dirty="0" smtClean="0"/>
+              <a:t>Bloc</a:t>
+            </a:r>
+            <a:endParaRPr lang="fr-FR" dirty="0"/>
+          </a:p>
+        </p:txBody>
+      </p:sp>
+      <p:sp>
+        <p:nvSpPr>
+          <p:cNvPr id="5" name="Rectangle 4"/>
+          <p:cNvSpPr/>
+          <p:nvPr/>
+        </p:nvSpPr>
+        <p:spPr>
+          <a:xfrm>
+            <a:off x="2011679" y="3348446"/>
+            <a:ext cx="1480457" cy="566057"/>
+          </a:xfrm>
+          <a:prstGeom prst="rect">
+            <a:avLst/>
+          </a:prstGeom>
+        </p:spPr>
+        <p:style>
+          <a:lnRef idx="2">
+            <a:schemeClr val="accent1">
+              <a:shade val="50000"/>
+            </a:schemeClr>
+          </a:lnRef>
+          <a:fillRef idx="1">
+            <a:schemeClr val="accent1"/>
+          </a:fillRef>
+          <a:effectRef idx="0">
+            <a:schemeClr val="accent1"/>
+          </a:effectRef>
+          <a:fontRef idx="minor">
+            <a:schemeClr val="lt1"/>
+          </a:fontRef>
+        </p:style>
+        <p:txBody>
+          <a:bodyPr rtlCol="0" anchor="ctr"/>
+          <a:lstStyle/>
+          <a:p>
+            <a:pPr algn="ctr"/>
+            <a:r>
+              <a:rPr lang="fr-FR" dirty="0" smtClean="0"/>
+              <a:t>Zone1</a:t>
+            </a:r>
+            <a:endParaRPr lang="fr-FR" dirty="0"/>
+          </a:p>
+        </p:txBody>
+      </p:sp>
+      <p:sp>
+        <p:nvSpPr>
+          <p:cNvPr id="6" name="Rectangle 5"/>
+          <p:cNvSpPr/>
+          <p:nvPr/>
+        </p:nvSpPr>
+        <p:spPr>
+          <a:xfrm>
+            <a:off x="2011679" y="1827012"/>
+            <a:ext cx="1480457" cy="566057"/>
+          </a:xfrm>
+          <a:prstGeom prst="rect">
+            <a:avLst/>
+          </a:prstGeom>
+        </p:spPr>
+        <p:style>
+          <a:lnRef idx="2">
+            <a:schemeClr val="accent1">
+              <a:shade val="50000"/>
+            </a:schemeClr>
+          </a:lnRef>
+          <a:fillRef idx="1">
+            <a:schemeClr val="accent1"/>
+          </a:fillRef>
+          <a:effectRef idx="0">
+            <a:schemeClr val="accent1"/>
+          </a:effectRef>
+          <a:fontRef idx="minor">
+            <a:schemeClr val="lt1"/>
+          </a:fontRef>
+        </p:style>
+        <p:txBody>
+          <a:bodyPr rtlCol="0" anchor="ctr"/>
+          <a:lstStyle/>
+          <a:p>
+            <a:pPr algn="ctr"/>
+            <a:r>
+              <a:rPr lang="fr-FR" dirty="0" smtClean="0"/>
+              <a:t>Disp1</a:t>
+            </a:r>
+            <a:endParaRPr lang="fr-FR" dirty="0"/>
+          </a:p>
+        </p:txBody>
+      </p:sp>
+      <p:sp>
+        <p:nvSpPr>
+          <p:cNvPr id="7" name="Rectangle 6"/>
+          <p:cNvSpPr/>
+          <p:nvPr/>
+        </p:nvSpPr>
+        <p:spPr>
+          <a:xfrm>
+            <a:off x="4533337" y="3350819"/>
+            <a:ext cx="1480457" cy="566057"/>
+          </a:xfrm>
+          <a:prstGeom prst="rect">
+            <a:avLst/>
+          </a:prstGeom>
+        </p:spPr>
+        <p:style>
+          <a:lnRef idx="2">
+            <a:schemeClr val="accent4">
+              <a:shade val="50000"/>
+            </a:schemeClr>
+          </a:lnRef>
+          <a:fillRef idx="1">
+            <a:schemeClr val="accent4"/>
+          </a:fillRef>
+          <a:effectRef idx="0">
+            <a:schemeClr val="accent4"/>
+          </a:effectRef>
+          <a:fontRef idx="minor">
+            <a:schemeClr val="lt1"/>
+          </a:fontRef>
+        </p:style>
+        <p:txBody>
+          <a:bodyPr rtlCol="0" anchor="ctr"/>
+          <a:lstStyle/>
+          <a:p>
+            <a:pPr algn="ctr"/>
+            <a:r>
+              <a:rPr lang="fr-FR" dirty="0" smtClean="0"/>
+              <a:t>Zone2</a:t>
+            </a:r>
+            <a:endParaRPr lang="fr-FR" dirty="0"/>
+          </a:p>
+        </p:txBody>
+      </p:sp>
+      <p:cxnSp>
+        <p:nvCxnSpPr>
+          <p:cNvPr id="9" name="Connecteur droit avec flèche 8"/>
+          <p:cNvCxnSpPr>
+            <a:stCxn id="4" idx="0"/>
+            <a:endCxn id="5" idx="2"/>
+          </p:cNvCxnSpPr>
+          <p:nvPr/>
+        </p:nvCxnSpPr>
+        <p:spPr>
+          <a:xfrm flipH="1" flipV="1">
+            <a:off x="2751908" y="3914503"/>
+            <a:ext cx="1219201" cy="770709"/>
+          </a:xfrm>
+          <a:prstGeom prst="straightConnector1">
+            <a:avLst/>
+          </a:prstGeom>
+          <a:ln>
+            <a:tailEnd type="triangle"/>
+          </a:ln>
+        </p:spPr>
+        <p:style>
+          <a:lnRef idx="1">
+            <a:schemeClr val="accent1"/>
+          </a:lnRef>
+          <a:fillRef idx="0">
+            <a:schemeClr val="accent1"/>
+          </a:fillRef>
+          <a:effectRef idx="0">
+            <a:schemeClr val="accent1"/>
+          </a:effectRef>
+          <a:fontRef idx="minor">
+            <a:schemeClr val="tx1"/>
+          </a:fontRef>
+        </p:style>
+      </p:cxnSp>
+      <p:cxnSp>
+        <p:nvCxnSpPr>
+          <p:cNvPr id="12" name="Connecteur droit avec flèche 11"/>
+          <p:cNvCxnSpPr>
+            <a:stCxn id="5" idx="0"/>
+            <a:endCxn id="6" idx="2"/>
+          </p:cNvCxnSpPr>
+          <p:nvPr/>
+        </p:nvCxnSpPr>
+        <p:spPr>
+          <a:xfrm flipV="1">
+            <a:off x="2751908" y="2393069"/>
+            <a:ext cx="0" cy="955377"/>
+          </a:xfrm>
+          <a:prstGeom prst="straightConnector1">
+            <a:avLst/>
+          </a:prstGeom>
+          <a:ln>
+            <a:tailEnd type="triangle"/>
+          </a:ln>
+        </p:spPr>
+        <p:style>
+          <a:lnRef idx="1">
+            <a:schemeClr val="accent1"/>
+          </a:lnRef>
+          <a:fillRef idx="0">
+            <a:schemeClr val="accent1"/>
+          </a:fillRef>
+          <a:effectRef idx="0">
+            <a:schemeClr val="accent1"/>
+          </a:effectRef>
+          <a:fontRef idx="minor">
+            <a:schemeClr val="tx1"/>
+          </a:fontRef>
+        </p:style>
+      </p:cxnSp>
+      <p:sp>
+        <p:nvSpPr>
+          <p:cNvPr id="23" name="ZoneTexte 22"/>
+          <p:cNvSpPr txBox="1"/>
+          <p:nvPr/>
+        </p:nvSpPr>
+        <p:spPr>
+          <a:xfrm>
+            <a:off x="4711337" y="574766"/>
+            <a:ext cx="4110446" cy="369332"/>
+          </a:xfrm>
+          <a:prstGeom prst="rect">
+            <a:avLst/>
+          </a:prstGeom>
+          <a:noFill/>
+        </p:spPr>
+        <p:txBody>
+          <a:bodyPr wrap="square" rtlCol="0">
+            <a:spAutoFit/>
+          </a:bodyPr>
+          <a:lstStyle/>
+          <a:p>
+            <a:r>
+              <a:rPr lang="fr-FR" dirty="0" err="1" smtClean="0"/>
+              <a:t>processData</a:t>
+            </a:r>
+            <a:r>
+              <a:rPr lang="fr-FR" dirty="0" smtClean="0"/>
+              <a:t>(</a:t>
+            </a:r>
+            <a:r>
+              <a:rPr lang="fr-FR" dirty="0" err="1" smtClean="0"/>
+              <a:t>DataUnit</a:t>
+            </a:r>
+            <a:r>
+              <a:rPr lang="fr-FR" dirty="0" smtClean="0"/>
+              <a:t>, pipeline)</a:t>
+            </a:r>
+            <a:endParaRPr lang="fr-FR" dirty="0"/>
+          </a:p>
+        </p:txBody>
+      </p:sp>
+      <p:cxnSp>
+        <p:nvCxnSpPr>
+          <p:cNvPr id="25" name="Connecteur droit avec flèche 24"/>
+          <p:cNvCxnSpPr/>
+          <p:nvPr/>
+        </p:nvCxnSpPr>
+        <p:spPr>
+          <a:xfrm flipV="1">
+            <a:off x="4944626" y="5024847"/>
+            <a:ext cx="2440243" cy="17416"/>
+          </a:xfrm>
+          <a:prstGeom prst="straightConnector1">
+            <a:avLst/>
+          </a:prstGeom>
+          <a:ln>
+            <a:tailEnd type="triangle"/>
+          </a:ln>
+        </p:spPr>
+        <p:style>
+          <a:lnRef idx="1">
+            <a:schemeClr val="accent1"/>
+          </a:lnRef>
+          <a:fillRef idx="0">
+            <a:schemeClr val="accent1"/>
+          </a:fillRef>
+          <a:effectRef idx="0">
+            <a:schemeClr val="accent1"/>
+          </a:effectRef>
+          <a:fontRef idx="minor">
+            <a:schemeClr val="tx1"/>
+          </a:fontRef>
+        </p:style>
+      </p:cxnSp>
+      <p:sp>
+        <p:nvSpPr>
+          <p:cNvPr id="26" name="ZoneTexte 25"/>
+          <p:cNvSpPr txBox="1"/>
+          <p:nvPr/>
+        </p:nvSpPr>
+        <p:spPr>
+          <a:xfrm>
+            <a:off x="7654834" y="5007429"/>
+            <a:ext cx="1261627" cy="369332"/>
+          </a:xfrm>
+          <a:prstGeom prst="rect">
+            <a:avLst/>
+          </a:prstGeom>
+          <a:noFill/>
+        </p:spPr>
+        <p:txBody>
+          <a:bodyPr wrap="none" rtlCol="0">
+            <a:spAutoFit/>
+          </a:bodyPr>
+          <a:lstStyle/>
+          <a:p>
+            <a:r>
+              <a:rPr lang="fr-FR" dirty="0" smtClean="0"/>
+              <a:t>Bloc2zone1</a:t>
+            </a:r>
+            <a:endParaRPr lang="fr-FR" dirty="0"/>
+          </a:p>
+        </p:txBody>
+      </p:sp>
+      <p:cxnSp>
+        <p:nvCxnSpPr>
+          <p:cNvPr id="27" name="Connecteur droit avec flèche 26"/>
+          <p:cNvCxnSpPr/>
+          <p:nvPr/>
+        </p:nvCxnSpPr>
+        <p:spPr>
+          <a:xfrm flipV="1">
+            <a:off x="9043852" y="5174678"/>
+            <a:ext cx="1166949" cy="17417"/>
+          </a:xfrm>
+          <a:prstGeom prst="straightConnector1">
+            <a:avLst/>
+          </a:prstGeom>
+          <a:ln>
+            <a:tailEnd type="triangle"/>
+          </a:ln>
+        </p:spPr>
+        <p:style>
+          <a:lnRef idx="1">
+            <a:schemeClr val="accent1"/>
+          </a:lnRef>
+          <a:fillRef idx="0">
+            <a:schemeClr val="accent1"/>
+          </a:fillRef>
+          <a:effectRef idx="0">
+            <a:schemeClr val="accent1"/>
+          </a:effectRef>
+          <a:fontRef idx="minor">
+            <a:schemeClr val="tx1"/>
+          </a:fontRef>
+        </p:style>
+      </p:cxnSp>
+      <p:sp>
+        <p:nvSpPr>
+          <p:cNvPr id="28" name="ZoneTexte 27"/>
+          <p:cNvSpPr txBox="1"/>
+          <p:nvPr/>
+        </p:nvSpPr>
+        <p:spPr>
+          <a:xfrm>
+            <a:off x="10441577" y="5042263"/>
+            <a:ext cx="1056700" cy="369332"/>
+          </a:xfrm>
+          <a:prstGeom prst="rect">
+            <a:avLst/>
+          </a:prstGeom>
+          <a:noFill/>
+        </p:spPr>
+        <p:txBody>
+          <a:bodyPr wrap="none" rtlCol="0">
+            <a:spAutoFit/>
+          </a:bodyPr>
+          <a:lstStyle/>
+          <a:p>
+            <a:r>
+              <a:rPr lang="fr-FR" dirty="0" smtClean="0"/>
+              <a:t>pipeline1</a:t>
+            </a:r>
+            <a:endParaRPr lang="fr-FR" dirty="0"/>
+          </a:p>
+        </p:txBody>
+      </p:sp>
+      <p:sp>
+        <p:nvSpPr>
+          <p:cNvPr id="29" name="ZoneTexte 28"/>
+          <p:cNvSpPr txBox="1"/>
+          <p:nvPr/>
+        </p:nvSpPr>
+        <p:spPr>
+          <a:xfrm>
+            <a:off x="7560156" y="4287577"/>
+            <a:ext cx="1250407" cy="369332"/>
+          </a:xfrm>
+          <a:prstGeom prst="rect">
+            <a:avLst/>
+          </a:prstGeom>
+          <a:noFill/>
+        </p:spPr>
+        <p:txBody>
+          <a:bodyPr wrap="none" rtlCol="0">
+            <a:spAutoFit/>
+          </a:bodyPr>
+          <a:lstStyle/>
+          <a:p>
+            <a:r>
+              <a:rPr lang="fr-FR" dirty="0" smtClean="0"/>
+              <a:t>zone2disp1</a:t>
+            </a:r>
+            <a:endParaRPr lang="fr-FR" dirty="0"/>
+          </a:p>
+        </p:txBody>
+      </p:sp>
+      <p:cxnSp>
+        <p:nvCxnSpPr>
+          <p:cNvPr id="30" name="Connecteur droit avec flèche 29"/>
+          <p:cNvCxnSpPr/>
+          <p:nvPr/>
+        </p:nvCxnSpPr>
+        <p:spPr>
+          <a:xfrm>
+            <a:off x="3659526" y="3753394"/>
+            <a:ext cx="3566968" cy="710141"/>
+          </a:xfrm>
+          <a:prstGeom prst="straightConnector1">
+            <a:avLst/>
+          </a:prstGeom>
+          <a:ln>
+            <a:tailEnd type="triangle"/>
+          </a:ln>
+        </p:spPr>
+        <p:style>
+          <a:lnRef idx="1">
+            <a:schemeClr val="accent1"/>
+          </a:lnRef>
+          <a:fillRef idx="0">
+            <a:schemeClr val="accent1"/>
+          </a:fillRef>
+          <a:effectRef idx="0">
+            <a:schemeClr val="accent1"/>
+          </a:effectRef>
+          <a:fontRef idx="minor">
+            <a:schemeClr val="tx1"/>
+          </a:fontRef>
+        </p:style>
+      </p:cxnSp>
+      <p:cxnSp>
+        <p:nvCxnSpPr>
+          <p:cNvPr id="33" name="Connecteur droit avec flèche 32"/>
+          <p:cNvCxnSpPr/>
+          <p:nvPr/>
+        </p:nvCxnSpPr>
+        <p:spPr>
+          <a:xfrm flipH="1" flipV="1">
+            <a:off x="9043852" y="4463536"/>
+            <a:ext cx="1166949" cy="578727"/>
+          </a:xfrm>
+          <a:prstGeom prst="straightConnector1">
+            <a:avLst/>
+          </a:prstGeom>
+          <a:ln>
+            <a:tailEnd type="triangle"/>
+          </a:ln>
+        </p:spPr>
+        <p:style>
+          <a:lnRef idx="1">
+            <a:schemeClr val="accent1"/>
+          </a:lnRef>
+          <a:fillRef idx="0">
+            <a:schemeClr val="accent1"/>
+          </a:fillRef>
+          <a:effectRef idx="0">
+            <a:schemeClr val="accent1"/>
+          </a:effectRef>
+          <a:fontRef idx="minor">
+            <a:schemeClr val="tx1"/>
+          </a:fontRef>
+        </p:style>
+      </p:cxnSp>
+      <p:sp>
+        <p:nvSpPr>
+          <p:cNvPr id="36" name="ZoneTexte 35"/>
+          <p:cNvSpPr txBox="1"/>
+          <p:nvPr/>
+        </p:nvSpPr>
+        <p:spPr>
+          <a:xfrm>
+            <a:off x="10210801" y="1827012"/>
+            <a:ext cx="1056700" cy="369332"/>
+          </a:xfrm>
+          <a:prstGeom prst="rect">
+            <a:avLst/>
+          </a:prstGeom>
+          <a:noFill/>
+        </p:spPr>
+        <p:txBody>
+          <a:bodyPr wrap="none" rtlCol="0">
+            <a:spAutoFit/>
+          </a:bodyPr>
+          <a:lstStyle/>
+          <a:p>
+            <a:r>
+              <a:rPr lang="fr-FR" dirty="0" smtClean="0"/>
+              <a:t>pipeline2</a:t>
+            </a:r>
+            <a:endParaRPr lang="fr-FR" dirty="0"/>
+          </a:p>
+        </p:txBody>
+      </p:sp>
+      <p:sp>
+        <p:nvSpPr>
+          <p:cNvPr id="37" name="ZoneTexte 36"/>
+          <p:cNvSpPr txBox="1"/>
+          <p:nvPr/>
+        </p:nvSpPr>
+        <p:spPr>
+          <a:xfrm>
+            <a:off x="8420686" y="2246505"/>
+            <a:ext cx="1261627" cy="369332"/>
+          </a:xfrm>
+          <a:prstGeom prst="rect">
+            <a:avLst/>
+          </a:prstGeom>
+          <a:noFill/>
+        </p:spPr>
+        <p:txBody>
+          <a:bodyPr wrap="none" rtlCol="0">
+            <a:spAutoFit/>
+          </a:bodyPr>
+          <a:lstStyle/>
+          <a:p>
+            <a:r>
+              <a:rPr lang="fr-FR" dirty="0" smtClean="0"/>
+              <a:t>Bloc2zone2</a:t>
+            </a:r>
+            <a:endParaRPr lang="fr-FR" dirty="0"/>
+          </a:p>
+        </p:txBody>
+      </p:sp>
+      <p:sp>
+        <p:nvSpPr>
+          <p:cNvPr id="38" name="ZoneTexte 37"/>
+          <p:cNvSpPr txBox="1"/>
+          <p:nvPr/>
+        </p:nvSpPr>
+        <p:spPr>
+          <a:xfrm>
+            <a:off x="8326008" y="1526653"/>
+            <a:ext cx="1250407" cy="369332"/>
+          </a:xfrm>
+          <a:prstGeom prst="rect">
+            <a:avLst/>
+          </a:prstGeom>
+          <a:noFill/>
+        </p:spPr>
+        <p:txBody>
+          <a:bodyPr wrap="none" rtlCol="0">
+            <a:spAutoFit/>
+          </a:bodyPr>
+          <a:lstStyle/>
+          <a:p>
+            <a:r>
+              <a:rPr lang="fr-FR" dirty="0" smtClean="0"/>
+              <a:t>zone2disp2</a:t>
+            </a:r>
+            <a:endParaRPr lang="fr-FR" dirty="0"/>
+          </a:p>
+        </p:txBody>
+      </p:sp>
+      <p:cxnSp>
+        <p:nvCxnSpPr>
+          <p:cNvPr id="39" name="Connecteur droit avec flèche 38"/>
+          <p:cNvCxnSpPr/>
+          <p:nvPr/>
+        </p:nvCxnSpPr>
+        <p:spPr>
+          <a:xfrm flipV="1">
+            <a:off x="6363539" y="1827012"/>
+            <a:ext cx="1949477" cy="1652217"/>
+          </a:xfrm>
+          <a:prstGeom prst="straightConnector1">
+            <a:avLst/>
+          </a:prstGeom>
+          <a:ln>
+            <a:tailEnd type="triangle"/>
+          </a:ln>
+        </p:spPr>
+        <p:style>
+          <a:lnRef idx="1">
+            <a:schemeClr val="accent1"/>
+          </a:lnRef>
+          <a:fillRef idx="0">
+            <a:schemeClr val="accent1"/>
+          </a:fillRef>
+          <a:effectRef idx="0">
+            <a:schemeClr val="accent1"/>
+          </a:effectRef>
+          <a:fontRef idx="minor">
+            <a:schemeClr val="tx1"/>
+          </a:fontRef>
+        </p:style>
+      </p:cxnSp>
+      <p:cxnSp>
+        <p:nvCxnSpPr>
+          <p:cNvPr id="42" name="Connecteur droit avec flèche 41"/>
+          <p:cNvCxnSpPr/>
+          <p:nvPr/>
+        </p:nvCxnSpPr>
+        <p:spPr>
+          <a:xfrm flipV="1">
+            <a:off x="5080918" y="2577736"/>
+            <a:ext cx="3415353" cy="2290748"/>
+          </a:xfrm>
+          <a:prstGeom prst="straightConnector1">
+            <a:avLst/>
+          </a:prstGeom>
+          <a:ln>
+            <a:tailEnd type="triangle"/>
+          </a:ln>
+        </p:spPr>
+        <p:style>
+          <a:lnRef idx="1">
+            <a:schemeClr val="accent1"/>
+          </a:lnRef>
+          <a:fillRef idx="0">
+            <a:schemeClr val="accent1"/>
+          </a:fillRef>
+          <a:effectRef idx="0">
+            <a:schemeClr val="accent1"/>
+          </a:effectRef>
+          <a:fontRef idx="minor">
+            <a:schemeClr val="tx1"/>
+          </a:fontRef>
+        </p:style>
+      </p:cxnSp>
+      <p:cxnSp>
+        <p:nvCxnSpPr>
+          <p:cNvPr id="54" name="Connecteur droit avec flèche 53"/>
+          <p:cNvCxnSpPr>
+            <a:stCxn id="4" idx="0"/>
+            <a:endCxn id="7" idx="2"/>
+          </p:cNvCxnSpPr>
+          <p:nvPr/>
+        </p:nvCxnSpPr>
+        <p:spPr>
+          <a:xfrm flipV="1">
+            <a:off x="3971109" y="3916876"/>
+            <a:ext cx="1302457" cy="768336"/>
+          </a:xfrm>
+          <a:prstGeom prst="straightConnector1">
+            <a:avLst/>
+          </a:prstGeom>
+          <a:ln>
+            <a:tailEnd type="triangle"/>
+          </a:ln>
+        </p:spPr>
+        <p:style>
+          <a:lnRef idx="1">
+            <a:schemeClr val="accent4"/>
+          </a:lnRef>
+          <a:fillRef idx="0">
+            <a:schemeClr val="accent4"/>
+          </a:fillRef>
+          <a:effectRef idx="0">
+            <a:schemeClr val="accent4"/>
+          </a:effectRef>
+          <a:fontRef idx="minor">
+            <a:schemeClr val="tx1"/>
+          </a:fontRef>
+        </p:style>
+      </p:cxnSp>
+    </p:spTree>
+    <p:extLst>
+      <p:ext uri="{BB962C8B-B14F-4D97-AF65-F5344CB8AC3E}">
+        <p14:creationId xmlns:p14="http://schemas.microsoft.com/office/powerpoint/2010/main" val="2667505166"/>
       </p:ext>
     </p:extLst>
   </p:cSld>
